--- a/발표 자료/2DGP 중간 발표.pptx
+++ b/발표 자료/2DGP 중간 발표.pptx
@@ -111,6 +111,11 @@
       </a:defRPr>
     </a:lvl9pPr>
   </p:defaultTextStyle>
+  <p:extLst>
+    <p:ext uri="{EFAFB233-063F-42B5-8137-9DF3F51BA10A}">
+      <p15:sldGuideLst xmlns:p15="http://schemas.microsoft.com/office/powerpoint/2012/main"/>
+    </p:ext>
+  </p:extLst>
 </p:presentation>
 </file>
 
@@ -163,7 +168,7 @@
             </a:lvl1pPr>
           </a:lstStyle>
           <a:p>
-            <a:endParaRPr lang="ko-KR" altLang="en-US"/>
+            <a:endParaRPr lang="ko-KR" altLang="en-US" dirty="0"/>
           </a:p>
         </p:txBody>
       </p:sp>
@@ -198,7 +203,7 @@
               <a:rPr lang="ko-KR" altLang="en-US" smtClean="0"/>
               <a:t>2024-11-18</a:t>
             </a:fld>
-            <a:endParaRPr lang="ko-KR" altLang="en-US"/>
+            <a:endParaRPr lang="ko-KR" altLang="en-US" dirty="0"/>
           </a:p>
         </p:txBody>
       </p:sp>
@@ -231,7 +236,7 @@
           <a:bodyPr vert="horz" lIns="91440" tIns="45720" rIns="91440" bIns="45720" rtlCol="0" anchor="ctr"/>
           <a:lstStyle/>
           <a:p>
-            <a:endParaRPr lang="ko-KR" altLang="en-US"/>
+            <a:endParaRPr lang="ko-KR" altLang="en-US" dirty="0"/>
           </a:p>
         </p:txBody>
       </p:sp>
@@ -321,7 +326,7 @@
             </a:lvl1pPr>
           </a:lstStyle>
           <a:p>
-            <a:endParaRPr lang="ko-KR" altLang="en-US"/>
+            <a:endParaRPr lang="ko-KR" altLang="en-US" dirty="0"/>
           </a:p>
         </p:txBody>
       </p:sp>
@@ -356,7 +361,7 @@
               <a:rPr lang="ko-KR" altLang="en-US" smtClean="0"/>
               <a:t>‹#›</a:t>
             </a:fld>
-            <a:endParaRPr lang="ko-KR" altLang="en-US"/>
+            <a:endParaRPr lang="ko-KR" altLang="en-US" dirty="0"/>
           </a:p>
         </p:txBody>
       </p:sp>
@@ -463,6 +468,102 @@
 </p:notesMaster>
 </file>
 
+<file path=ppt/notesSlides/notesSlide1.xml><?xml version="1.0" encoding="utf-8"?>
+<p:notes xmlns:a="http://schemas.openxmlformats.org/drawingml/2006/main" xmlns:r="http://schemas.openxmlformats.org/officeDocument/2006/relationships" xmlns:p="http://schemas.openxmlformats.org/presentationml/2006/main">
+  <p:cSld>
+    <p:spTree>
+      <p:nvGrpSpPr>
+        <p:cNvPr id="1" name=""/>
+        <p:cNvGrpSpPr/>
+        <p:nvPr/>
+      </p:nvGrpSpPr>
+      <p:grpSpPr>
+        <a:xfrm>
+          <a:off x="0" y="0"/>
+          <a:ext cx="0" cy="0"/>
+          <a:chOff x="0" y="0"/>
+          <a:chExt cx="0" cy="0"/>
+        </a:xfrm>
+      </p:grpSpPr>
+      <p:sp>
+        <p:nvSpPr>
+          <p:cNvPr id="2" name="슬라이드 이미지 개체 틀 1"/>
+          <p:cNvSpPr>
+            <a:spLocks noGrp="1" noRot="1" noChangeAspect="1"/>
+          </p:cNvSpPr>
+          <p:nvPr>
+            <p:ph type="sldImg"/>
+          </p:nvPr>
+        </p:nvSpPr>
+        <p:spPr/>
+      </p:sp>
+      <p:sp>
+        <p:nvSpPr>
+          <p:cNvPr id="3" name="슬라이드 노트 개체 틀 2"/>
+          <p:cNvSpPr>
+            <a:spLocks noGrp="1"/>
+          </p:cNvSpPr>
+          <p:nvPr>
+            <p:ph type="body" idx="1"/>
+          </p:nvPr>
+        </p:nvSpPr>
+        <p:spPr/>
+        <p:txBody>
+          <a:bodyPr/>
+          <a:lstStyle/>
+          <a:p>
+            <a:r>
+              <a:rPr lang="en-US" altLang="ko-KR" dirty="0"/>
+              <a:t>2</a:t>
+            </a:r>
+            <a:r>
+              <a:rPr lang="ko-KR" altLang="en-US" dirty="0"/>
+              <a:t>차 발표 시작하겠습니다</a:t>
+            </a:r>
+            <a:r>
+              <a:rPr lang="en-US" altLang="ko-KR" dirty="0"/>
+              <a:t>. </a:t>
+            </a:r>
+            <a:endParaRPr lang="ko-KR" altLang="en-US" dirty="0"/>
+          </a:p>
+        </p:txBody>
+      </p:sp>
+      <p:sp>
+        <p:nvSpPr>
+          <p:cNvPr id="4" name="슬라이드 번호 개체 틀 3"/>
+          <p:cNvSpPr>
+            <a:spLocks noGrp="1"/>
+          </p:cNvSpPr>
+          <p:nvPr>
+            <p:ph type="sldNum" sz="quarter" idx="5"/>
+          </p:nvPr>
+        </p:nvSpPr>
+        <p:spPr/>
+        <p:txBody>
+          <a:bodyPr/>
+          <a:lstStyle/>
+          <a:p>
+            <a:fld id="{06D11EFE-F092-4973-B580-F10EF5635535}" type="slidenum">
+              <a:rPr lang="ko-KR" altLang="en-US" smtClean="0"/>
+              <a:t>1</a:t>
+            </a:fld>
+            <a:endParaRPr lang="ko-KR" altLang="en-US" dirty="0"/>
+          </a:p>
+        </p:txBody>
+      </p:sp>
+    </p:spTree>
+    <p:extLst>
+      <p:ext uri="{BB962C8B-B14F-4D97-AF65-F5344CB8AC3E}">
+        <p14:creationId xmlns:p14="http://schemas.microsoft.com/office/powerpoint/2010/main" val="3130182139"/>
+      </p:ext>
+    </p:extLst>
+  </p:cSld>
+  <p:clrMapOvr>
+    <a:masterClrMapping/>
+  </p:clrMapOvr>
+</p:notes>
+</file>
+
 <file path=ppt/slideLayouts/slideLayout1.xml><?xml version="1.0" encoding="utf-8"?>
 <p:sldLayout xmlns:a="http://schemas.openxmlformats.org/drawingml/2006/main" xmlns:r="http://schemas.openxmlformats.org/officeDocument/2006/relationships" xmlns:p="http://schemas.openxmlformats.org/presentationml/2006/main" showMasterSp="0" type="title" preserve="1">
   <p:cSld name="제목 슬라이드">
@@ -693,7 +794,7 @@
               <a:rPr lang="ko-KR" altLang="en-US" smtClean="0"/>
               <a:t>2024-11-18</a:t>
             </a:fld>
-            <a:endParaRPr lang="ko-KR" altLang="en-US"/>
+            <a:endParaRPr lang="ko-KR" altLang="en-US" dirty="0"/>
           </a:p>
         </p:txBody>
       </p:sp>
@@ -712,7 +813,7 @@
           <a:bodyPr/>
           <a:lstStyle/>
           <a:p>
-            <a:endParaRPr lang="ko-KR" altLang="en-US"/>
+            <a:endParaRPr lang="ko-KR" altLang="en-US" dirty="0"/>
           </a:p>
         </p:txBody>
       </p:sp>
@@ -735,7 +836,7 @@
               <a:rPr lang="ko-KR" altLang="en-US" smtClean="0"/>
               <a:t>‹#›</a:t>
             </a:fld>
-            <a:endParaRPr lang="ko-KR" altLang="en-US"/>
+            <a:endParaRPr lang="ko-KR" altLang="en-US" dirty="0"/>
           </a:p>
         </p:txBody>
       </p:sp>
@@ -901,7 +1002,7 @@
               <a:rPr lang="ko-KR" altLang="en-US" smtClean="0"/>
               <a:t>2024-11-18</a:t>
             </a:fld>
-            <a:endParaRPr lang="ko-KR" altLang="en-US"/>
+            <a:endParaRPr lang="ko-KR" altLang="en-US" dirty="0"/>
           </a:p>
         </p:txBody>
       </p:sp>
@@ -920,7 +1021,7 @@
           <a:bodyPr/>
           <a:lstStyle/>
           <a:p>
-            <a:endParaRPr lang="ko-KR" altLang="en-US"/>
+            <a:endParaRPr lang="ko-KR" altLang="en-US" dirty="0"/>
           </a:p>
         </p:txBody>
       </p:sp>
@@ -943,7 +1044,7 @@
               <a:rPr lang="ko-KR" altLang="en-US" smtClean="0"/>
               <a:t>‹#›</a:t>
             </a:fld>
-            <a:endParaRPr lang="ko-KR" altLang="en-US"/>
+            <a:endParaRPr lang="ko-KR" altLang="en-US" dirty="0"/>
           </a:p>
         </p:txBody>
       </p:sp>
@@ -1159,7 +1260,7 @@
               <a:rPr lang="ko-KR" altLang="en-US" smtClean="0"/>
               <a:t>2024-11-18</a:t>
             </a:fld>
-            <a:endParaRPr lang="ko-KR" altLang="en-US"/>
+            <a:endParaRPr lang="ko-KR" altLang="en-US" dirty="0"/>
           </a:p>
         </p:txBody>
       </p:sp>
@@ -1178,7 +1279,7 @@
           <a:bodyPr/>
           <a:lstStyle/>
           <a:p>
-            <a:endParaRPr lang="ko-KR" altLang="en-US"/>
+            <a:endParaRPr lang="ko-KR" altLang="en-US" dirty="0"/>
           </a:p>
         </p:txBody>
       </p:sp>
@@ -1201,7 +1302,7 @@
               <a:rPr lang="ko-KR" altLang="en-US" smtClean="0"/>
               <a:t>‹#›</a:t>
             </a:fld>
-            <a:endParaRPr lang="ko-KR" altLang="en-US"/>
+            <a:endParaRPr lang="ko-KR" altLang="en-US" dirty="0"/>
           </a:p>
         </p:txBody>
       </p:sp>
@@ -1329,7 +1430,7 @@
               <a:rPr lang="ko-KR" altLang="en-US" smtClean="0"/>
               <a:t>2024-11-18</a:t>
             </a:fld>
-            <a:endParaRPr lang="ko-KR" altLang="en-US"/>
+            <a:endParaRPr lang="ko-KR" altLang="en-US" dirty="0"/>
           </a:p>
         </p:txBody>
       </p:sp>
@@ -1348,7 +1449,7 @@
           <a:bodyPr/>
           <a:lstStyle/>
           <a:p>
-            <a:endParaRPr lang="ko-KR" altLang="en-US"/>
+            <a:endParaRPr lang="ko-KR" altLang="en-US" dirty="0"/>
           </a:p>
         </p:txBody>
       </p:sp>
@@ -1371,7 +1472,7 @@
               <a:rPr lang="ko-KR" altLang="en-US" smtClean="0"/>
               <a:t>‹#›</a:t>
             </a:fld>
-            <a:endParaRPr lang="ko-KR" altLang="en-US"/>
+            <a:endParaRPr lang="ko-KR" altLang="en-US" dirty="0"/>
           </a:p>
         </p:txBody>
       </p:sp>
@@ -1666,7 +1767,7 @@
               <a:rPr lang="ko-KR" altLang="en-US" smtClean="0"/>
               <a:t>2024-11-18</a:t>
             </a:fld>
-            <a:endParaRPr lang="ko-KR" altLang="en-US"/>
+            <a:endParaRPr lang="ko-KR" altLang="en-US" dirty="0"/>
           </a:p>
         </p:txBody>
       </p:sp>
@@ -1685,7 +1786,7 @@
           <a:bodyPr/>
           <a:lstStyle/>
           <a:p>
-            <a:endParaRPr lang="ko-KR" altLang="en-US"/>
+            <a:endParaRPr lang="ko-KR" altLang="en-US" dirty="0"/>
           </a:p>
         </p:txBody>
       </p:sp>
@@ -1708,7 +1809,7 @@
               <a:rPr lang="ko-KR" altLang="en-US" smtClean="0"/>
               <a:t>‹#›</a:t>
             </a:fld>
-            <a:endParaRPr lang="ko-KR" altLang="en-US"/>
+            <a:endParaRPr lang="ko-KR" altLang="en-US" dirty="0"/>
           </a:p>
         </p:txBody>
       </p:sp>
@@ -1941,7 +2042,7 @@
               <a:rPr lang="ko-KR" altLang="en-US" smtClean="0"/>
               <a:t>2024-11-18</a:t>
             </a:fld>
-            <a:endParaRPr lang="ko-KR" altLang="en-US"/>
+            <a:endParaRPr lang="ko-KR" altLang="en-US" dirty="0"/>
           </a:p>
         </p:txBody>
       </p:sp>
@@ -1960,7 +2061,7 @@
           <a:bodyPr/>
           <a:lstStyle/>
           <a:p>
-            <a:endParaRPr lang="ko-KR" altLang="en-US"/>
+            <a:endParaRPr lang="ko-KR" altLang="en-US" dirty="0"/>
           </a:p>
         </p:txBody>
       </p:sp>
@@ -1983,7 +2084,7 @@
               <a:rPr lang="ko-KR" altLang="en-US" smtClean="0"/>
               <a:t>‹#›</a:t>
             </a:fld>
-            <a:endParaRPr lang="ko-KR" altLang="en-US"/>
+            <a:endParaRPr lang="ko-KR" altLang="en-US" dirty="0"/>
           </a:p>
         </p:txBody>
       </p:sp>
@@ -2320,7 +2421,7 @@
               <a:rPr lang="ko-KR" altLang="en-US" smtClean="0"/>
               <a:t>2024-11-18</a:t>
             </a:fld>
-            <a:endParaRPr lang="ko-KR" altLang="en-US"/>
+            <a:endParaRPr lang="ko-KR" altLang="en-US" dirty="0"/>
           </a:p>
         </p:txBody>
       </p:sp>
@@ -2339,7 +2440,7 @@
           <a:bodyPr/>
           <a:lstStyle/>
           <a:p>
-            <a:endParaRPr lang="ko-KR" altLang="en-US"/>
+            <a:endParaRPr lang="ko-KR" altLang="en-US" dirty="0"/>
           </a:p>
         </p:txBody>
       </p:sp>
@@ -2362,7 +2463,7 @@
               <a:rPr lang="ko-KR" altLang="en-US" smtClean="0"/>
               <a:t>‹#›</a:t>
             </a:fld>
-            <a:endParaRPr lang="ko-KR" altLang="en-US"/>
+            <a:endParaRPr lang="ko-KR" altLang="en-US" dirty="0"/>
           </a:p>
         </p:txBody>
       </p:sp>
@@ -2438,7 +2539,7 @@
               <a:rPr lang="ko-KR" altLang="en-US" smtClean="0"/>
               <a:t>2024-11-18</a:t>
             </a:fld>
-            <a:endParaRPr lang="ko-KR" altLang="en-US"/>
+            <a:endParaRPr lang="ko-KR" altLang="en-US" dirty="0"/>
           </a:p>
         </p:txBody>
       </p:sp>
@@ -2457,7 +2558,7 @@
           <a:bodyPr/>
           <a:lstStyle/>
           <a:p>
-            <a:endParaRPr lang="ko-KR" altLang="en-US"/>
+            <a:endParaRPr lang="ko-KR" altLang="en-US" dirty="0"/>
           </a:p>
         </p:txBody>
       </p:sp>
@@ -2480,7 +2581,7 @@
               <a:rPr lang="ko-KR" altLang="en-US" smtClean="0"/>
               <a:t>‹#›</a:t>
             </a:fld>
-            <a:endParaRPr lang="ko-KR" altLang="en-US"/>
+            <a:endParaRPr lang="ko-KR" altLang="en-US" dirty="0"/>
           </a:p>
         </p:txBody>
       </p:sp>
@@ -2611,7 +2712,7 @@
               <a:rPr lang="ko-KR" altLang="en-US" smtClean="0"/>
               <a:t>2024-11-18</a:t>
             </a:fld>
-            <a:endParaRPr lang="ko-KR" altLang="en-US"/>
+            <a:endParaRPr lang="ko-KR" altLang="en-US" dirty="0"/>
           </a:p>
         </p:txBody>
       </p:sp>
@@ -2638,7 +2739,7 @@
             </a:lvl1pPr>
           </a:lstStyle>
           <a:p>
-            <a:endParaRPr lang="ko-KR" altLang="en-US"/>
+            <a:endParaRPr lang="ko-KR" altLang="en-US" dirty="0"/>
           </a:p>
         </p:txBody>
       </p:sp>
@@ -2661,7 +2762,7 @@
               <a:rPr lang="ko-KR" altLang="en-US" smtClean="0"/>
               <a:t>‹#›</a:t>
             </a:fld>
-            <a:endParaRPr lang="ko-KR" altLang="en-US"/>
+            <a:endParaRPr lang="ko-KR" altLang="en-US" dirty="0"/>
           </a:p>
         </p:txBody>
       </p:sp>
@@ -2967,7 +3068,7 @@
               <a:rPr lang="ko-KR" altLang="en-US" smtClean="0"/>
               <a:t>2024-11-18</a:t>
             </a:fld>
-            <a:endParaRPr lang="ko-KR" altLang="en-US"/>
+            <a:endParaRPr lang="ko-KR" altLang="en-US" dirty="0"/>
           </a:p>
         </p:txBody>
       </p:sp>
@@ -2999,7 +3100,7 @@
             </a:lvl1pPr>
           </a:lstStyle>
           <a:p>
-            <a:endParaRPr lang="ko-KR" altLang="en-US"/>
+            <a:endParaRPr lang="ko-KR" altLang="en-US" dirty="0"/>
           </a:p>
         </p:txBody>
       </p:sp>
@@ -3030,7 +3131,7 @@
               <a:rPr lang="ko-KR" altLang="en-US" smtClean="0"/>
               <a:t>‹#›</a:t>
             </a:fld>
-            <a:endParaRPr lang="ko-KR" altLang="en-US"/>
+            <a:endParaRPr lang="ko-KR" altLang="en-US" dirty="0"/>
           </a:p>
         </p:txBody>
       </p:sp>
@@ -3243,7 +3344,7 @@
           </a:lstStyle>
           <a:p>
             <a:r>
-              <a:rPr lang="ko-KR" altLang="en-US"/>
+              <a:rPr lang="ko-KR" altLang="en-US" dirty="0"/>
               <a:t>그림을 추가하려면 아이콘을 클릭하십시오</a:t>
             </a:r>
             <a:endParaRPr lang="en-US" dirty="0"/>
@@ -3346,7 +3447,7 @@
               <a:rPr lang="ko-KR" altLang="en-US" smtClean="0"/>
               <a:t>2024-11-18</a:t>
             </a:fld>
-            <a:endParaRPr lang="ko-KR" altLang="en-US"/>
+            <a:endParaRPr lang="ko-KR" altLang="en-US" dirty="0"/>
           </a:p>
         </p:txBody>
       </p:sp>
@@ -3365,7 +3466,7 @@
           <a:bodyPr/>
           <a:lstStyle/>
           <a:p>
-            <a:endParaRPr lang="ko-KR" altLang="en-US"/>
+            <a:endParaRPr lang="ko-KR" altLang="en-US" dirty="0"/>
           </a:p>
         </p:txBody>
       </p:sp>
@@ -3388,7 +3489,7 @@
               <a:rPr lang="ko-KR" altLang="en-US" smtClean="0"/>
               <a:t>‹#›</a:t>
             </a:fld>
-            <a:endParaRPr lang="ko-KR" altLang="en-US"/>
+            <a:endParaRPr lang="ko-KR" altLang="en-US" dirty="0"/>
           </a:p>
         </p:txBody>
       </p:sp>
@@ -3635,7 +3736,7 @@
               <a:rPr lang="ko-KR" altLang="en-US" smtClean="0"/>
               <a:t>2024-11-18</a:t>
             </a:fld>
-            <a:endParaRPr lang="ko-KR" altLang="en-US"/>
+            <a:endParaRPr lang="ko-KR" altLang="en-US" dirty="0"/>
           </a:p>
         </p:txBody>
       </p:sp>
@@ -3670,7 +3771,7 @@
             </a:lvl1pPr>
           </a:lstStyle>
           <a:p>
-            <a:endParaRPr lang="ko-KR" altLang="en-US"/>
+            <a:endParaRPr lang="ko-KR" altLang="en-US" dirty="0"/>
           </a:p>
         </p:txBody>
       </p:sp>
@@ -3709,7 +3810,7 @@
               <a:rPr lang="ko-KR" altLang="en-US" smtClean="0"/>
               <a:t>‹#›</a:t>
             </a:fld>
-            <a:endParaRPr lang="ko-KR" altLang="en-US"/>
+            <a:endParaRPr lang="ko-KR" altLang="en-US" dirty="0"/>
           </a:p>
         </p:txBody>
       </p:sp>
@@ -4182,13 +4283,13 @@
               <a:rPr lang="en-US" altLang="ko-KR" dirty="0">
                 <a:latin typeface="+mj-ea"/>
               </a:rPr>
-              <a:t>2DGP</a:t>
+              <a:t>2DGP 2</a:t>
             </a:r>
             <a:r>
               <a:rPr lang="ko-KR" altLang="en-US" dirty="0">
                 <a:latin typeface="+mj-ea"/>
               </a:rPr>
-              <a:t> 중간 발표</a:t>
+              <a:t>차 발표</a:t>
             </a:r>
           </a:p>
         </p:txBody>
@@ -4328,7 +4429,9 @@
             <a:pPr marL="0" indent="0">
               <a:buNone/>
             </a:pPr>
-            <a:endParaRPr lang="en-US" altLang="ko-KR" dirty="0"/>
+            <a:endParaRPr lang="en-US" altLang="ko-KR" dirty="0">
+              <a:latin typeface="+mn-ea"/>
+            </a:endParaRPr>
           </a:p>
           <a:p>
             <a:pPr>
@@ -4339,10 +4442,14 @@
               <a:buChar char="-"/>
             </a:pPr>
             <a:r>
-              <a:rPr lang="ko-KR" altLang="en-US" dirty="0"/>
+              <a:rPr lang="ko-KR" altLang="en-US" dirty="0">
+                <a:latin typeface="+mn-ea"/>
+              </a:rPr>
               <a:t> 개발 진행 상황</a:t>
             </a:r>
-            <a:endParaRPr lang="en-US" altLang="ko-KR" dirty="0"/>
+            <a:endParaRPr lang="en-US" altLang="ko-KR" dirty="0">
+              <a:latin typeface="+mn-ea"/>
+            </a:endParaRPr>
           </a:p>
           <a:p>
             <a:pPr>
@@ -4352,7 +4459,9 @@
               <a:buFontTx/>
               <a:buChar char="-"/>
             </a:pPr>
-            <a:endParaRPr lang="en-US" altLang="ko-KR" dirty="0"/>
+            <a:endParaRPr lang="en-US" altLang="ko-KR" dirty="0">
+              <a:latin typeface="+mn-ea"/>
+            </a:endParaRPr>
           </a:p>
           <a:p>
             <a:pPr>
@@ -4363,26 +4472,20 @@
               <a:buChar char="-"/>
             </a:pPr>
             <a:r>
-              <a:rPr lang="en-US" altLang="ko-KR" dirty="0"/>
-              <a:t> </a:t>
-            </a:r>
-            <a:r>
-              <a:rPr lang="ko-KR" altLang="en-US" dirty="0" err="1"/>
-              <a:t>깃허브</a:t>
-            </a:r>
-            <a:r>
-              <a:rPr lang="ko-KR" altLang="en-US" dirty="0"/>
-              <a:t> </a:t>
-            </a:r>
-            <a:r>
-              <a:rPr lang="ko-KR" altLang="en-US" dirty="0" err="1"/>
-              <a:t>커밋</a:t>
-            </a:r>
-            <a:r>
-              <a:rPr lang="ko-KR" altLang="en-US" dirty="0"/>
-              <a:t> 스크린샷</a:t>
-            </a:r>
-            <a:endParaRPr lang="en-US" altLang="ko-KR" dirty="0"/>
+              <a:rPr lang="en-US" altLang="ko-KR" dirty="0">
+                <a:latin typeface="+mn-ea"/>
+              </a:rPr>
+              <a:t> Github </a:t>
+            </a:r>
+            <a:r>
+              <a:rPr lang="ko-KR" altLang="en-US" dirty="0">
+                <a:latin typeface="+mn-ea"/>
+              </a:rPr>
+              <a:t>커밋 통계</a:t>
+            </a:r>
+            <a:endParaRPr lang="en-US" altLang="ko-KR" dirty="0">
+              <a:latin typeface="+mn-ea"/>
+            </a:endParaRPr>
           </a:p>
           <a:p>
             <a:pPr>
@@ -4392,7 +4495,9 @@
               <a:buFontTx/>
               <a:buChar char="-"/>
             </a:pPr>
-            <a:endParaRPr lang="en-US" altLang="ko-KR" dirty="0"/>
+            <a:endParaRPr lang="en-US" altLang="ko-KR" dirty="0">
+              <a:latin typeface="+mn-ea"/>
+            </a:endParaRPr>
           </a:p>
           <a:p>
             <a:pPr>
@@ -4403,10 +4508,14 @@
               <a:buChar char="-"/>
             </a:pPr>
             <a:r>
-              <a:rPr lang="ko-KR" altLang="en-US" dirty="0"/>
+              <a:rPr lang="ko-KR" altLang="en-US" dirty="0">
+                <a:latin typeface="+mn-ea"/>
+              </a:rPr>
               <a:t> 데모 시연</a:t>
             </a:r>
-            <a:endParaRPr lang="en-US" altLang="ko-KR" dirty="0"/>
+            <a:endParaRPr lang="en-US" altLang="ko-KR" dirty="0">
+              <a:latin typeface="+mn-ea"/>
+            </a:endParaRPr>
           </a:p>
         </p:txBody>
       </p:sp>
@@ -4484,13 +4593,13 @@
             <p:ph idx="1"/>
             <p:extLst>
               <p:ext uri="{D42A27DB-BD31-4B8C-83A1-F6EECF244321}">
-                <p14:modId xmlns:p14="http://schemas.microsoft.com/office/powerpoint/2010/main" val="4105016647"/>
+                <p14:modId xmlns:p14="http://schemas.microsoft.com/office/powerpoint/2010/main" val="3152125893"/>
               </p:ext>
             </p:extLst>
           </p:nvPr>
         </p:nvGraphicFramePr>
         <p:xfrm>
-          <a:off x="1096963" y="1846264"/>
+          <a:off x="1066801" y="1846264"/>
           <a:ext cx="10058397" cy="4450080"/>
         </p:xfrm>
         <a:graphic>
@@ -4730,6 +4839,62 @@
                     <a:lstStyle/>
                     <a:p>
                       <a:pPr latinLnBrk="1"/>
+                      <a:r>
+                        <a:rPr lang="ko-KR" altLang="en-US" sz="1100" dirty="0">
+                          <a:latin typeface="+mn-ea"/>
+                          <a:ea typeface="+mn-ea"/>
+                        </a:rPr>
+                        <a:t>필요한 캐릭터</a:t>
+                      </a:r>
+                      <a:r>
+                        <a:rPr lang="en-US" altLang="ko-KR" sz="1100" dirty="0">
+                          <a:latin typeface="+mn-ea"/>
+                          <a:ea typeface="+mn-ea"/>
+                        </a:rPr>
+                        <a:t>, </a:t>
+                      </a:r>
+                      <a:r>
+                        <a:rPr lang="ko-KR" altLang="en-US" sz="1100" dirty="0">
+                          <a:latin typeface="+mn-ea"/>
+                          <a:ea typeface="+mn-ea"/>
+                        </a:rPr>
+                        <a:t>배경</a:t>
+                      </a:r>
+                      <a:r>
+                        <a:rPr lang="en-US" altLang="ko-KR" sz="1100" dirty="0">
+                          <a:latin typeface="+mn-ea"/>
+                          <a:ea typeface="+mn-ea"/>
+                        </a:rPr>
+                        <a:t> </a:t>
+                      </a:r>
+                      <a:r>
+                        <a:rPr lang="ko-KR" altLang="en-US" sz="1100" dirty="0">
+                          <a:latin typeface="+mn-ea"/>
+                          <a:ea typeface="+mn-ea"/>
+                        </a:rPr>
+                        <a:t>등의 스프라이트 시트 이미지를 확보하고 배경 투명화와</a:t>
+                      </a:r>
+                      <a:r>
+                        <a:rPr lang="en-US" altLang="ko-KR" sz="1100" dirty="0">
+                          <a:latin typeface="+mn-ea"/>
+                          <a:ea typeface="+mn-ea"/>
+                        </a:rPr>
+                        <a:t> </a:t>
+                      </a:r>
+                      <a:r>
+                        <a:rPr lang="ko-KR" altLang="en-US" sz="1100" dirty="0">
+                          <a:latin typeface="+mn-ea"/>
+                          <a:ea typeface="+mn-ea"/>
+                        </a:rPr>
+                        <a:t>크기를 조정하여 적용</a:t>
+                      </a:r>
+                      <a:r>
+                        <a:rPr lang="en-US" altLang="ko-KR" sz="1100" dirty="0">
+                          <a:latin typeface="+mn-ea"/>
+                          <a:ea typeface="+mn-ea"/>
+                        </a:rPr>
+                        <a:t>.</a:t>
+                      </a:r>
                       <a:endParaRPr lang="ko-KR" altLang="en-US" sz="1100" dirty="0">
                         <a:latin typeface="+mn-ea"/>
                         <a:ea typeface="+mn-ea"/>
@@ -4819,6 +4984,13 @@
                     <a:lstStyle/>
                     <a:p>
                       <a:pPr algn="ctr" latinLnBrk="1"/>
+                      <a:r>
+                        <a:rPr lang="en-US" altLang="ko-KR" sz="1400" dirty="0">
+                          <a:latin typeface="+mn-ea"/>
+                          <a:ea typeface="+mn-ea"/>
+                        </a:rPr>
+                        <a:t>90%</a:t>
+                      </a:r>
                       <a:endParaRPr lang="ko-KR" altLang="en-US" sz="1400" dirty="0">
                         <a:latin typeface="+mn-ea"/>
                         <a:ea typeface="+mn-ea"/>
@@ -4869,10 +5041,34 @@
                     <a:lstStyle/>
                     <a:p>
                       <a:pPr latinLnBrk="1"/>
-                      <a:endParaRPr lang="ko-KR" altLang="en-US" sz="1100" dirty="0">
-                        <a:latin typeface="+mn-ea"/>
-                        <a:ea typeface="+mn-ea"/>
-                      </a:endParaRPr>
+                      <a:r>
+                        <a:rPr lang="ko-KR" altLang="en-US" sz="1100" dirty="0">
+                          <a:latin typeface="+mn-ea"/>
+                          <a:ea typeface="+mn-ea"/>
+                        </a:rPr>
+                        <a:t>캐릭터가 상태에 따라 동작하도록 관리하고</a:t>
+                      </a:r>
+                      <a:r>
+                        <a:rPr lang="en-US" altLang="ko-KR" sz="1100" dirty="0">
+                          <a:latin typeface="+mn-ea"/>
+                          <a:ea typeface="+mn-ea"/>
+                        </a:rPr>
+                        <a:t>, </a:t>
+                      </a:r>
+                      <a:r>
+                        <a:rPr lang="ko-KR" altLang="en-US" sz="1100" dirty="0">
+                          <a:latin typeface="+mn-ea"/>
+                          <a:ea typeface="+mn-ea"/>
+                        </a:rPr>
+                        <a:t>사용자 입력에 반응하도록 적용</a:t>
+                      </a:r>
+                      <a:r>
+                        <a:rPr lang="en-US" altLang="ko-KR" sz="1100" dirty="0">
+                          <a:latin typeface="+mn-ea"/>
+                          <a:ea typeface="+mn-ea"/>
+                        </a:rPr>
+                        <a:t>.</a:t>
+                      </a:r>
                     </a:p>
                   </a:txBody>
                   <a:tcPr/>
@@ -4958,7 +5154,14 @@
                     <a:lstStyle/>
                     <a:p>
                       <a:pPr algn="ctr" latinLnBrk="1"/>
-                      <a:endParaRPr lang="ko-KR" altLang="en-US" sz="1400">
+                      <a:r>
+                        <a:rPr lang="en-US" altLang="ko-KR" sz="1400" dirty="0">
+                          <a:latin typeface="+mn-ea"/>
+                          <a:ea typeface="+mn-ea"/>
+                        </a:rPr>
+                        <a:t>0%</a:t>
+                      </a:r>
+                      <a:endParaRPr lang="ko-KR" altLang="en-US" sz="1400" dirty="0">
                         <a:latin typeface="+mn-ea"/>
                         <a:ea typeface="+mn-ea"/>
                       </a:endParaRPr>
@@ -5008,6 +5211,13 @@
                     <a:lstStyle/>
                     <a:p>
                       <a:pPr latinLnBrk="1"/>
+                      <a:r>
+                        <a:rPr lang="en-US" altLang="ko-KR" sz="1100" dirty="0">
+                          <a:latin typeface="+mn-ea"/>
+                          <a:ea typeface="+mn-ea"/>
+                        </a:rPr>
+                        <a:t>X</a:t>
+                      </a:r>
                       <a:endParaRPr lang="ko-KR" altLang="en-US" sz="1100" dirty="0">
                         <a:latin typeface="+mn-ea"/>
                         <a:ea typeface="+mn-ea"/>
@@ -5097,6 +5307,13 @@
                     <a:lstStyle/>
                     <a:p>
                       <a:pPr algn="ctr" latinLnBrk="1"/>
+                      <a:r>
+                        <a:rPr lang="en-US" altLang="ko-KR" sz="1400" dirty="0">
+                          <a:latin typeface="+mn-ea"/>
+                          <a:ea typeface="+mn-ea"/>
+                        </a:rPr>
+                        <a:t>100%</a:t>
+                      </a:r>
                       <a:endParaRPr lang="ko-KR" altLang="en-US" sz="1400" dirty="0">
                         <a:latin typeface="+mn-ea"/>
                         <a:ea typeface="+mn-ea"/>
@@ -5147,6 +5364,20 @@
                     <a:lstStyle/>
                     <a:p>
                       <a:pPr latinLnBrk="1"/>
+                      <a:r>
+                        <a:rPr lang="ko-KR" altLang="en-US" sz="1100" dirty="0">
+                          <a:latin typeface="+mn-ea"/>
+                          <a:ea typeface="+mn-ea"/>
+                        </a:rPr>
+                        <a:t>발표 자료와 발표 동영상 제작</a:t>
+                      </a:r>
+                      <a:r>
+                        <a:rPr lang="en-US" altLang="ko-KR" sz="1100" dirty="0">
+                          <a:latin typeface="+mn-ea"/>
+                          <a:ea typeface="+mn-ea"/>
+                        </a:rPr>
+                        <a:t>.</a:t>
+                      </a:r>
                       <a:endParaRPr lang="ko-KR" altLang="en-US" sz="1100" dirty="0">
                         <a:latin typeface="+mn-ea"/>
                         <a:ea typeface="+mn-ea"/>
@@ -5236,7 +5467,14 @@
                     <a:lstStyle/>
                     <a:p>
                       <a:pPr algn="ctr" latinLnBrk="1"/>
-                      <a:endParaRPr lang="ko-KR" altLang="en-US" sz="1400">
+                      <a:r>
+                        <a:rPr lang="en-US" altLang="ko-KR" sz="1400" dirty="0">
+                          <a:latin typeface="+mn-ea"/>
+                          <a:ea typeface="+mn-ea"/>
+                        </a:rPr>
+                        <a:t>0%</a:t>
+                      </a:r>
+                      <a:endParaRPr lang="ko-KR" altLang="en-US" sz="1400" dirty="0">
                         <a:latin typeface="+mn-ea"/>
                         <a:ea typeface="+mn-ea"/>
                       </a:endParaRPr>
@@ -5286,6 +5524,13 @@
                     <a:lstStyle/>
                     <a:p>
                       <a:pPr latinLnBrk="1"/>
+                      <a:r>
+                        <a:rPr lang="en-US" altLang="ko-KR" sz="1100" dirty="0">
+                          <a:latin typeface="+mn-ea"/>
+                          <a:ea typeface="+mn-ea"/>
+                        </a:rPr>
+                        <a:t>X</a:t>
+                      </a:r>
                       <a:endParaRPr lang="ko-KR" altLang="en-US" sz="1100" dirty="0">
                         <a:latin typeface="+mn-ea"/>
                         <a:ea typeface="+mn-ea"/>
@@ -5375,6 +5620,13 @@
                     <a:lstStyle/>
                     <a:p>
                       <a:pPr algn="ctr" latinLnBrk="1"/>
+                      <a:r>
+                        <a:rPr lang="en-US" altLang="ko-KR" sz="1400" dirty="0">
+                          <a:latin typeface="+mn-ea"/>
+                          <a:ea typeface="+mn-ea"/>
+                        </a:rPr>
+                        <a:t>0%</a:t>
+                      </a:r>
                       <a:endParaRPr lang="ko-KR" altLang="en-US" sz="1400" dirty="0">
                         <a:latin typeface="+mn-ea"/>
                         <a:ea typeface="+mn-ea"/>
@@ -5425,6 +5677,13 @@
                     <a:lstStyle/>
                     <a:p>
                       <a:pPr latinLnBrk="1"/>
+                      <a:r>
+                        <a:rPr lang="en-US" altLang="ko-KR" sz="1100" dirty="0">
+                          <a:latin typeface="+mn-ea"/>
+                          <a:ea typeface="+mn-ea"/>
+                        </a:rPr>
+                        <a:t>X</a:t>
+                      </a:r>
                       <a:endParaRPr lang="ko-KR" altLang="en-US" sz="1100" dirty="0">
                         <a:latin typeface="+mn-ea"/>
                         <a:ea typeface="+mn-ea"/>
@@ -5514,6 +5773,13 @@
                     <a:lstStyle/>
                     <a:p>
                       <a:pPr algn="ctr" latinLnBrk="1"/>
+                      <a:r>
+                        <a:rPr lang="en-US" altLang="ko-KR" sz="1400" dirty="0">
+                          <a:latin typeface="+mn-ea"/>
+                          <a:ea typeface="+mn-ea"/>
+                        </a:rPr>
+                        <a:t>0%</a:t>
+                      </a:r>
                       <a:endParaRPr lang="ko-KR" altLang="en-US" sz="1400" dirty="0">
                         <a:latin typeface="+mn-ea"/>
                         <a:ea typeface="+mn-ea"/>
@@ -5564,6 +5830,13 @@
                     <a:lstStyle/>
                     <a:p>
                       <a:pPr latinLnBrk="1"/>
+                      <a:r>
+                        <a:rPr lang="en-US" altLang="ko-KR" sz="1100" dirty="0">
+                          <a:latin typeface="+mn-ea"/>
+                          <a:ea typeface="+mn-ea"/>
+                        </a:rPr>
+                        <a:t>X</a:t>
+                      </a:r>
                       <a:endParaRPr lang="ko-KR" altLang="en-US" sz="1100" dirty="0">
                         <a:latin typeface="+mn-ea"/>
                         <a:ea typeface="+mn-ea"/>
@@ -5653,6 +5926,13 @@
                     <a:lstStyle/>
                     <a:p>
                       <a:pPr algn="ctr" latinLnBrk="1"/>
+                      <a:r>
+                        <a:rPr lang="en-US" altLang="ko-KR" sz="1400" dirty="0">
+                          <a:latin typeface="+mn-ea"/>
+                          <a:ea typeface="+mn-ea"/>
+                        </a:rPr>
+                        <a:t>0%</a:t>
+                      </a:r>
                       <a:endParaRPr lang="ko-KR" altLang="en-US" sz="1400" dirty="0">
                         <a:latin typeface="+mn-ea"/>
                         <a:ea typeface="+mn-ea"/>
@@ -5703,6 +5983,13 @@
                     <a:lstStyle/>
                     <a:p>
                       <a:pPr latinLnBrk="1"/>
+                      <a:r>
+                        <a:rPr lang="en-US" altLang="ko-KR" sz="1100" dirty="0">
+                          <a:latin typeface="+mn-ea"/>
+                          <a:ea typeface="+mn-ea"/>
+                        </a:rPr>
+                        <a:t>X</a:t>
+                      </a:r>
                       <a:endParaRPr lang="ko-KR" altLang="en-US" sz="1100" dirty="0">
                         <a:latin typeface="+mn-ea"/>
                         <a:ea typeface="+mn-ea"/>
@@ -5784,49 +6071,49 @@
           <a:lstStyle/>
           <a:p>
             <a:r>
-              <a:rPr lang="ko-KR" altLang="en-US" dirty="0" err="1"/>
-              <a:t>깃허브</a:t>
-            </a:r>
-            <a:r>
-              <a:rPr lang="ko-KR" altLang="en-US" dirty="0"/>
-              <a:t> </a:t>
-            </a:r>
-            <a:r>
-              <a:rPr lang="ko-KR" altLang="en-US" dirty="0" err="1"/>
-              <a:t>커밋</a:t>
-            </a:r>
-            <a:r>
-              <a:rPr lang="ko-KR" altLang="en-US" dirty="0"/>
-              <a:t> 스크린샷</a:t>
-            </a:r>
-          </a:p>
-        </p:txBody>
-      </p:sp>
-      <p:sp>
-        <p:nvSpPr>
-          <p:cNvPr id="3" name="내용 개체 틀 2">
+              <a:rPr lang="en-US" altLang="ko-KR" dirty="0">
+                <a:latin typeface="+mj-ea"/>
+              </a:rPr>
+              <a:t>Github</a:t>
+            </a:r>
+            <a:r>
+              <a:rPr lang="ko-KR" altLang="en-US" dirty="0">
+                <a:latin typeface="+mj-ea"/>
+              </a:rPr>
+              <a:t> 커밋 통계</a:t>
+            </a:r>
+          </a:p>
+        </p:txBody>
+      </p:sp>
+      <p:pic>
+        <p:nvPicPr>
+          <p:cNvPr id="9" name="내용 개체 틀 8">
             <a:extLst>
               <a:ext uri="{FF2B5EF4-FFF2-40B4-BE49-F238E27FC236}">
-                <a16:creationId xmlns:a16="http://schemas.microsoft.com/office/drawing/2014/main" id="{0B286106-BE11-E1B3-5427-8E02F6BB5772}"/>
+                <a16:creationId xmlns:a16="http://schemas.microsoft.com/office/drawing/2014/main" id="{56E07257-D60D-D93E-9853-26078870C8B9}"/>
               </a:ext>
             </a:extLst>
           </p:cNvPr>
-          <p:cNvSpPr>
-            <a:spLocks noGrp="1"/>
-          </p:cNvSpPr>
+          <p:cNvPicPr>
+            <a:picLocks noGrp="1" noChangeAspect="1"/>
+          </p:cNvPicPr>
           <p:nvPr>
             <p:ph idx="1"/>
           </p:nvPr>
-        </p:nvSpPr>
-        <p:spPr/>
-        <p:txBody>
-          <a:bodyPr/>
-          <a:lstStyle/>
-          <a:p>
-            <a:endParaRPr lang="ko-KR" altLang="en-US"/>
-          </a:p>
-        </p:txBody>
-      </p:sp>
+        </p:nvPicPr>
+        <p:blipFill>
+          <a:blip r:embed="rId2"/>
+          <a:stretch>
+            <a:fillRect/>
+          </a:stretch>
+        </p:blipFill>
+        <p:spPr>
+          <a:xfrm>
+            <a:off x="1747038" y="1844704"/>
+            <a:ext cx="8697924" cy="4421850"/>
+          </a:xfrm>
+        </p:spPr>
+      </p:pic>
     </p:spTree>
     <p:extLst>
       <p:ext uri="{BB962C8B-B14F-4D97-AF65-F5344CB8AC3E}">
